--- a/slides/The HUB as a cloud based service.pptx
+++ b/slides/The HUB as a cloud based service.pptx
@@ -5,7 +5,7 @@
     <p:sldMasterId id="2147483672" r:id="rId1"/>
   </p:sldMasterIdLst>
   <p:notesMasterIdLst>
-    <p:notesMasterId r:id="rId20"/>
+    <p:notesMasterId r:id="rId21"/>
   </p:notesMasterIdLst>
   <p:sldIdLst>
     <p:sldId id="257" r:id="rId2"/>
@@ -25,7 +25,8 @@
     <p:sldId id="275" r:id="rId16"/>
     <p:sldId id="276" r:id="rId17"/>
     <p:sldId id="265" r:id="rId18"/>
-    <p:sldId id="259" r:id="rId19"/>
+    <p:sldId id="279" r:id="rId19"/>
+    <p:sldId id="259" r:id="rId20"/>
   </p:sldIdLst>
   <p:sldSz cx="12192000" cy="6858000"/>
   <p:notesSz cx="6858000" cy="9144000"/>
@@ -1235,6 +1236,90 @@
     <p:extLst>
       <p:ext uri="{BB962C8B-B14F-4D97-AF65-F5344CB8AC3E}">
         <p14:creationId xmlns:p14="http://schemas.microsoft.com/office/powerpoint/2010/main" val="2314299394"/>
+      </p:ext>
+    </p:extLst>
+  </p:cSld>
+  <p:clrMapOvr>
+    <a:masterClrMapping/>
+  </p:clrMapOvr>
+</p:notes>
+</file>
+
+<file path=ppt/notesSlides/notesSlide18.xml><?xml version="1.0" encoding="utf-8"?>
+<p:notes xmlns:a="http://schemas.openxmlformats.org/drawingml/2006/main" xmlns:r="http://schemas.openxmlformats.org/officeDocument/2006/relationships" xmlns:p="http://schemas.openxmlformats.org/presentationml/2006/main">
+  <p:cSld>
+    <p:spTree>
+      <p:nvGrpSpPr>
+        <p:cNvPr id="1" name=""/>
+        <p:cNvGrpSpPr/>
+        <p:nvPr/>
+      </p:nvGrpSpPr>
+      <p:grpSpPr>
+        <a:xfrm>
+          <a:off x="0" y="0"/>
+          <a:ext cx="0" cy="0"/>
+          <a:chOff x="0" y="0"/>
+          <a:chExt cx="0" cy="0"/>
+        </a:xfrm>
+      </p:grpSpPr>
+      <p:sp>
+        <p:nvSpPr>
+          <p:cNvPr id="2" name="Slide Image Placeholder 1"/>
+          <p:cNvSpPr>
+            <a:spLocks noGrp="1" noRot="1" noChangeAspect="1"/>
+          </p:cNvSpPr>
+          <p:nvPr>
+            <p:ph type="sldImg"/>
+          </p:nvPr>
+        </p:nvSpPr>
+        <p:spPr/>
+      </p:sp>
+      <p:sp>
+        <p:nvSpPr>
+          <p:cNvPr id="3" name="Notes Placeholder 2"/>
+          <p:cNvSpPr>
+            <a:spLocks noGrp="1"/>
+          </p:cNvSpPr>
+          <p:nvPr>
+            <p:ph type="body" idx="1"/>
+          </p:nvPr>
+        </p:nvSpPr>
+        <p:spPr/>
+        <p:txBody>
+          <a:bodyPr/>
+          <a:lstStyle/>
+          <a:p>
+            <a:endParaRPr lang="en-US"/>
+          </a:p>
+        </p:txBody>
+      </p:sp>
+      <p:sp>
+        <p:nvSpPr>
+          <p:cNvPr id="4" name="Slide Number Placeholder 3"/>
+          <p:cNvSpPr>
+            <a:spLocks noGrp="1"/>
+          </p:cNvSpPr>
+          <p:nvPr>
+            <p:ph type="sldNum" sz="quarter" idx="5"/>
+          </p:nvPr>
+        </p:nvSpPr>
+        <p:spPr/>
+        <p:txBody>
+          <a:bodyPr/>
+          <a:lstStyle/>
+          <a:p>
+            <a:fld id="{86F67688-E65C-4FCD-A367-E0E3C97566D5}" type="slidenum">
+              <a:rPr lang="en-US" smtClean="0"/>
+              <a:t>18</a:t>
+            </a:fld>
+            <a:endParaRPr lang="en-US"/>
+          </a:p>
+        </p:txBody>
+      </p:sp>
+    </p:spTree>
+    <p:extLst>
+      <p:ext uri="{BB962C8B-B14F-4D97-AF65-F5344CB8AC3E}">
+        <p14:creationId xmlns:p14="http://schemas.microsoft.com/office/powerpoint/2010/main" val="1487898890"/>
       </p:ext>
     </p:extLst>
   </p:cSld>
@@ -7583,6 +7668,471 @@
 </file>
 
 <file path=ppt/slides/slide18.xml><?xml version="1.0" encoding="utf-8"?>
+<p:sld xmlns:a="http://schemas.openxmlformats.org/drawingml/2006/main" xmlns:r="http://schemas.openxmlformats.org/officeDocument/2006/relationships" xmlns:p="http://schemas.openxmlformats.org/presentationml/2006/main">
+  <p:cSld>
+    <p:spTree>
+      <p:nvGrpSpPr>
+        <p:cNvPr id="1" name=""/>
+        <p:cNvGrpSpPr/>
+        <p:nvPr/>
+      </p:nvGrpSpPr>
+      <p:grpSpPr>
+        <a:xfrm>
+          <a:off x="0" y="0"/>
+          <a:ext cx="0" cy="0"/>
+          <a:chOff x="0" y="0"/>
+          <a:chExt cx="0" cy="0"/>
+        </a:xfrm>
+      </p:grpSpPr>
+      <p:sp>
+        <p:nvSpPr>
+          <p:cNvPr id="44" name="CustomShape 1"/>
+          <p:cNvSpPr/>
+          <p:nvPr/>
+        </p:nvSpPr>
+        <p:spPr>
+          <a:xfrm>
+            <a:off x="0" y="4320"/>
+            <a:ext cx="12191760" cy="880560"/>
+          </a:xfrm>
+          <a:prstGeom prst="rect">
+            <a:avLst/>
+          </a:prstGeom>
+          <a:solidFill>
+            <a:srgbClr val="5592C9"/>
+          </a:solidFill>
+          <a:ln w="9360">
+            <a:solidFill>
+              <a:schemeClr val="dk2"/>
+            </a:solidFill>
+            <a:round/>
+          </a:ln>
+        </p:spPr>
+        <p:style>
+          <a:lnRef idx="0">
+            <a:scrgbClr r="0" g="0" b="0"/>
+          </a:lnRef>
+          <a:fillRef idx="0">
+            <a:scrgbClr r="0" g="0" b="0"/>
+          </a:fillRef>
+          <a:effectRef idx="0">
+            <a:scrgbClr r="0" g="0" b="0"/>
+          </a:effectRef>
+          <a:fontRef idx="minor"/>
+        </p:style>
+        <p:txBody>
+          <a:bodyPr/>
+          <a:lstStyle>
+            <a:defPPr>
+              <a:defRPr lang="en-US"/>
+            </a:defPPr>
+            <a:lvl1pPr marL="0" algn="l" defTabSz="609585" rtl="0" eaLnBrk="1" latinLnBrk="0" hangingPunct="1">
+              <a:defRPr sz="2400" kern="1200">
+                <a:solidFill>
+                  <a:schemeClr val="tx1"/>
+                </a:solidFill>
+                <a:latin typeface="+mn-lt"/>
+                <a:ea typeface="+mn-ea"/>
+                <a:cs typeface="+mn-cs"/>
+              </a:defRPr>
+            </a:lvl1pPr>
+            <a:lvl2pPr marL="609585" algn="l" defTabSz="609585" rtl="0" eaLnBrk="1" latinLnBrk="0" hangingPunct="1">
+              <a:defRPr sz="2400" kern="1200">
+                <a:solidFill>
+                  <a:schemeClr val="tx1"/>
+                </a:solidFill>
+                <a:latin typeface="+mn-lt"/>
+                <a:ea typeface="+mn-ea"/>
+                <a:cs typeface="+mn-cs"/>
+              </a:defRPr>
+            </a:lvl2pPr>
+            <a:lvl3pPr marL="1219170" algn="l" defTabSz="609585" rtl="0" eaLnBrk="1" latinLnBrk="0" hangingPunct="1">
+              <a:defRPr sz="2400" kern="1200">
+                <a:solidFill>
+                  <a:schemeClr val="tx1"/>
+                </a:solidFill>
+                <a:latin typeface="+mn-lt"/>
+                <a:ea typeface="+mn-ea"/>
+                <a:cs typeface="+mn-cs"/>
+              </a:defRPr>
+            </a:lvl3pPr>
+            <a:lvl4pPr marL="1828754" algn="l" defTabSz="609585" rtl="0" eaLnBrk="1" latinLnBrk="0" hangingPunct="1">
+              <a:defRPr sz="2400" kern="1200">
+                <a:solidFill>
+                  <a:schemeClr val="tx1"/>
+                </a:solidFill>
+                <a:latin typeface="+mn-lt"/>
+                <a:ea typeface="+mn-ea"/>
+                <a:cs typeface="+mn-cs"/>
+              </a:defRPr>
+            </a:lvl4pPr>
+            <a:lvl5pPr marL="2438339" algn="l" defTabSz="609585" rtl="0" eaLnBrk="1" latinLnBrk="0" hangingPunct="1">
+              <a:defRPr sz="2400" kern="1200">
+                <a:solidFill>
+                  <a:schemeClr val="tx1"/>
+                </a:solidFill>
+                <a:latin typeface="+mn-lt"/>
+                <a:ea typeface="+mn-ea"/>
+                <a:cs typeface="+mn-cs"/>
+              </a:defRPr>
+            </a:lvl5pPr>
+            <a:lvl6pPr marL="3047924" algn="l" defTabSz="609585" rtl="0" eaLnBrk="1" latinLnBrk="0" hangingPunct="1">
+              <a:defRPr sz="2400" kern="1200">
+                <a:solidFill>
+                  <a:schemeClr val="tx1"/>
+                </a:solidFill>
+                <a:latin typeface="+mn-lt"/>
+                <a:ea typeface="+mn-ea"/>
+                <a:cs typeface="+mn-cs"/>
+              </a:defRPr>
+            </a:lvl6pPr>
+            <a:lvl7pPr marL="3657509" algn="l" defTabSz="609585" rtl="0" eaLnBrk="1" latinLnBrk="0" hangingPunct="1">
+              <a:defRPr sz="2400" kern="1200">
+                <a:solidFill>
+                  <a:schemeClr val="tx1"/>
+                </a:solidFill>
+                <a:latin typeface="+mn-lt"/>
+                <a:ea typeface="+mn-ea"/>
+                <a:cs typeface="+mn-cs"/>
+              </a:defRPr>
+            </a:lvl7pPr>
+            <a:lvl8pPr marL="4267093" algn="l" defTabSz="609585" rtl="0" eaLnBrk="1" latinLnBrk="0" hangingPunct="1">
+              <a:defRPr sz="2400" kern="1200">
+                <a:solidFill>
+                  <a:schemeClr val="tx1"/>
+                </a:solidFill>
+                <a:latin typeface="+mn-lt"/>
+                <a:ea typeface="+mn-ea"/>
+                <a:cs typeface="+mn-cs"/>
+              </a:defRPr>
+            </a:lvl8pPr>
+            <a:lvl9pPr marL="4876678" algn="l" defTabSz="609585" rtl="0" eaLnBrk="1" latinLnBrk="0" hangingPunct="1">
+              <a:defRPr sz="2400" kern="1200">
+                <a:solidFill>
+                  <a:schemeClr val="tx1"/>
+                </a:solidFill>
+                <a:latin typeface="+mn-lt"/>
+                <a:ea typeface="+mn-ea"/>
+                <a:cs typeface="+mn-cs"/>
+              </a:defRPr>
+            </a:lvl9pPr>
+          </a:lstStyle>
+          <a:p>
+            <a:endParaRPr lang="en-US" sz="3200"/>
+          </a:p>
+        </p:txBody>
+      </p:sp>
+      <p:cxnSp>
+        <p:nvCxnSpPr>
+          <p:cNvPr id="4" name="Connecteur droit 3">
+            <a:extLst>
+              <a:ext uri="{FF2B5EF4-FFF2-40B4-BE49-F238E27FC236}">
+                <a16:creationId xmlns:a16="http://schemas.microsoft.com/office/drawing/2014/main" id="{64AC8DE2-E114-8CF0-50A5-519E76D3D413}"/>
+              </a:ext>
+            </a:extLst>
+          </p:cNvPr>
+          <p:cNvCxnSpPr>
+            <a:cxnSpLocks/>
+          </p:cNvCxnSpPr>
+          <p:nvPr/>
+        </p:nvCxnSpPr>
+        <p:spPr>
+          <a:xfrm>
+            <a:off x="2619145" y="106326"/>
+            <a:ext cx="0" cy="692497"/>
+          </a:xfrm>
+          <a:prstGeom prst="line">
+            <a:avLst/>
+          </a:prstGeom>
+          <a:ln w="19050">
+            <a:solidFill>
+              <a:schemeClr val="bg1"/>
+            </a:solidFill>
+          </a:ln>
+        </p:spPr>
+        <p:style>
+          <a:lnRef idx="1">
+            <a:schemeClr val="accent1"/>
+          </a:lnRef>
+          <a:fillRef idx="0">
+            <a:schemeClr val="accent1"/>
+          </a:fillRef>
+          <a:effectRef idx="0">
+            <a:schemeClr val="accent1"/>
+          </a:effectRef>
+          <a:fontRef idx="minor">
+            <a:schemeClr val="tx1"/>
+          </a:fontRef>
+        </p:style>
+      </p:cxnSp>
+      <p:sp>
+        <p:nvSpPr>
+          <p:cNvPr id="2" name="CustomShape 3">
+            <a:extLst>
+              <a:ext uri="{FF2B5EF4-FFF2-40B4-BE49-F238E27FC236}">
+                <a16:creationId xmlns:a16="http://schemas.microsoft.com/office/drawing/2014/main" id="{0A90AC90-40B0-32DB-5309-DE2102844F9F}"/>
+              </a:ext>
+            </a:extLst>
+          </p:cNvPr>
+          <p:cNvSpPr/>
+          <p:nvPr/>
+        </p:nvSpPr>
+        <p:spPr>
+          <a:xfrm>
+            <a:off x="2361201" y="121715"/>
+            <a:ext cx="9103306" cy="677108"/>
+          </a:xfrm>
+          <a:prstGeom prst="rect">
+            <a:avLst/>
+          </a:prstGeom>
+          <a:noFill/>
+          <a:ln>
+            <a:noFill/>
+          </a:ln>
+        </p:spPr>
+        <p:style>
+          <a:lnRef idx="0">
+            <a:scrgbClr r="0" g="0" b="0"/>
+          </a:lnRef>
+          <a:fillRef idx="0">
+            <a:scrgbClr r="0" g="0" b="0"/>
+          </a:fillRef>
+          <a:effectRef idx="0">
+            <a:scrgbClr r="0" g="0" b="0"/>
+          </a:effectRef>
+          <a:fontRef idx="minor"/>
+        </p:style>
+        <p:txBody>
+          <a:bodyPr wrap="square" tIns="91440" bIns="91440">
+            <a:spAutoFit/>
+          </a:bodyPr>
+          <a:lstStyle>
+            <a:defPPr>
+              <a:defRPr lang="en-US"/>
+            </a:defPPr>
+            <a:lvl1pPr marL="0" algn="l" defTabSz="609585" rtl="0" eaLnBrk="1" latinLnBrk="0" hangingPunct="1">
+              <a:defRPr sz="2400" kern="1200">
+                <a:solidFill>
+                  <a:schemeClr val="tx1"/>
+                </a:solidFill>
+                <a:latin typeface="+mn-lt"/>
+                <a:ea typeface="+mn-ea"/>
+                <a:cs typeface="+mn-cs"/>
+              </a:defRPr>
+            </a:lvl1pPr>
+            <a:lvl2pPr marL="609585" algn="l" defTabSz="609585" rtl="0" eaLnBrk="1" latinLnBrk="0" hangingPunct="1">
+              <a:defRPr sz="2400" kern="1200">
+                <a:solidFill>
+                  <a:schemeClr val="tx1"/>
+                </a:solidFill>
+                <a:latin typeface="+mn-lt"/>
+                <a:ea typeface="+mn-ea"/>
+                <a:cs typeface="+mn-cs"/>
+              </a:defRPr>
+            </a:lvl2pPr>
+            <a:lvl3pPr marL="1219170" algn="l" defTabSz="609585" rtl="0" eaLnBrk="1" latinLnBrk="0" hangingPunct="1">
+              <a:defRPr sz="2400" kern="1200">
+                <a:solidFill>
+                  <a:schemeClr val="tx1"/>
+                </a:solidFill>
+                <a:latin typeface="+mn-lt"/>
+                <a:ea typeface="+mn-ea"/>
+                <a:cs typeface="+mn-cs"/>
+              </a:defRPr>
+            </a:lvl3pPr>
+            <a:lvl4pPr marL="1828754" algn="l" defTabSz="609585" rtl="0" eaLnBrk="1" latinLnBrk="0" hangingPunct="1">
+              <a:defRPr sz="2400" kern="1200">
+                <a:solidFill>
+                  <a:schemeClr val="tx1"/>
+                </a:solidFill>
+                <a:latin typeface="+mn-lt"/>
+                <a:ea typeface="+mn-ea"/>
+                <a:cs typeface="+mn-cs"/>
+              </a:defRPr>
+            </a:lvl4pPr>
+            <a:lvl5pPr marL="2438339" algn="l" defTabSz="609585" rtl="0" eaLnBrk="1" latinLnBrk="0" hangingPunct="1">
+              <a:defRPr sz="2400" kern="1200">
+                <a:solidFill>
+                  <a:schemeClr val="tx1"/>
+                </a:solidFill>
+                <a:latin typeface="+mn-lt"/>
+                <a:ea typeface="+mn-ea"/>
+                <a:cs typeface="+mn-cs"/>
+              </a:defRPr>
+            </a:lvl5pPr>
+            <a:lvl6pPr marL="3047924" algn="l" defTabSz="609585" rtl="0" eaLnBrk="1" latinLnBrk="0" hangingPunct="1">
+              <a:defRPr sz="2400" kern="1200">
+                <a:solidFill>
+                  <a:schemeClr val="tx1"/>
+                </a:solidFill>
+                <a:latin typeface="+mn-lt"/>
+                <a:ea typeface="+mn-ea"/>
+                <a:cs typeface="+mn-cs"/>
+              </a:defRPr>
+            </a:lvl6pPr>
+            <a:lvl7pPr marL="3657509" algn="l" defTabSz="609585" rtl="0" eaLnBrk="1" latinLnBrk="0" hangingPunct="1">
+              <a:defRPr sz="2400" kern="1200">
+                <a:solidFill>
+                  <a:schemeClr val="tx1"/>
+                </a:solidFill>
+                <a:latin typeface="+mn-lt"/>
+                <a:ea typeface="+mn-ea"/>
+                <a:cs typeface="+mn-cs"/>
+              </a:defRPr>
+            </a:lvl7pPr>
+            <a:lvl8pPr marL="4267093" algn="l" defTabSz="609585" rtl="0" eaLnBrk="1" latinLnBrk="0" hangingPunct="1">
+              <a:defRPr sz="2400" kern="1200">
+                <a:solidFill>
+                  <a:schemeClr val="tx1"/>
+                </a:solidFill>
+                <a:latin typeface="+mn-lt"/>
+                <a:ea typeface="+mn-ea"/>
+                <a:cs typeface="+mn-cs"/>
+              </a:defRPr>
+            </a:lvl8pPr>
+            <a:lvl9pPr marL="4876678" algn="l" defTabSz="609585" rtl="0" eaLnBrk="1" latinLnBrk="0" hangingPunct="1">
+              <a:defRPr sz="2400" kern="1200">
+                <a:solidFill>
+                  <a:schemeClr val="tx1"/>
+                </a:solidFill>
+                <a:latin typeface="+mn-lt"/>
+                <a:ea typeface="+mn-ea"/>
+                <a:cs typeface="+mn-cs"/>
+              </a:defRPr>
+            </a:lvl9pPr>
+          </a:lstStyle>
+          <a:p>
+            <a:pPr algn="ctr">
+              <a:lnSpc>
+                <a:spcPct val="100000"/>
+              </a:lnSpc>
+            </a:pPr>
+            <a:r>
+              <a:rPr lang="en-US" sz="3200" spc="-1" dirty="0">
+                <a:solidFill>
+                  <a:srgbClr val="FFFFFF"/>
+                </a:solidFill>
+                <a:latin typeface="Calibri"/>
+              </a:rPr>
+              <a:t>Exercise (10 minutes)</a:t>
+            </a:r>
+            <a:endParaRPr lang="it-IT" sz="3200" spc="-1" dirty="0">
+              <a:latin typeface="Arial"/>
+            </a:endParaRPr>
+          </a:p>
+        </p:txBody>
+      </p:sp>
+      <p:pic>
+        <p:nvPicPr>
+          <p:cNvPr id="9" name="Google Shape;73;p15">
+            <a:extLst>
+              <a:ext uri="{FF2B5EF4-FFF2-40B4-BE49-F238E27FC236}">
+                <a16:creationId xmlns:a16="http://schemas.microsoft.com/office/drawing/2014/main" id="{C65BAFE8-473A-D884-91F7-815FFFED0119}"/>
+              </a:ext>
+            </a:extLst>
+          </p:cNvPr>
+          <p:cNvPicPr/>
+          <p:nvPr/>
+        </p:nvPicPr>
+        <p:blipFill>
+          <a:blip r:embed="rId3"/>
+          <a:stretch/>
+        </p:blipFill>
+        <p:spPr>
+          <a:xfrm>
+            <a:off x="41531" y="126881"/>
+            <a:ext cx="2464653" cy="593244"/>
+          </a:xfrm>
+          <a:prstGeom prst="rect">
+            <a:avLst/>
+          </a:prstGeom>
+          <a:ln>
+            <a:noFill/>
+          </a:ln>
+        </p:spPr>
+      </p:pic>
+      <p:sp>
+        <p:nvSpPr>
+          <p:cNvPr id="190" name="TextBox 189">
+            <a:extLst>
+              <a:ext uri="{FF2B5EF4-FFF2-40B4-BE49-F238E27FC236}">
+                <a16:creationId xmlns:a16="http://schemas.microsoft.com/office/drawing/2014/main" id="{5B3A7E66-4F6B-7DDC-EF57-0AE28E522A54}"/>
+              </a:ext>
+            </a:extLst>
+          </p:cNvPr>
+          <p:cNvSpPr txBox="1"/>
+          <p:nvPr/>
+        </p:nvSpPr>
+        <p:spPr>
+          <a:xfrm>
+            <a:off x="464054" y="2046823"/>
+            <a:ext cx="11708016" cy="1429622"/>
+          </a:xfrm>
+          <a:prstGeom prst="rect">
+            <a:avLst/>
+          </a:prstGeom>
+          <a:noFill/>
+        </p:spPr>
+        <p:txBody>
+          <a:bodyPr wrap="square" rtlCol="0">
+            <a:spAutoFit/>
+          </a:bodyPr>
+          <a:lstStyle/>
+          <a:p>
+            <a:pPr marL="285750" indent="-285750">
+              <a:lnSpc>
+                <a:spcPct val="150000"/>
+              </a:lnSpc>
+              <a:buFont typeface="Arial" panose="020B0604020202020204" pitchFamily="34" charset="0"/>
+              <a:buChar char="•"/>
+            </a:pPr>
+            <a:r>
+              <a:rPr lang="en-GB" sz="2000" dirty="0"/>
+              <a:t>Create a new folder with your name </a:t>
+            </a:r>
+          </a:p>
+          <a:p>
+            <a:pPr marL="285750" indent="-285750">
+              <a:lnSpc>
+                <a:spcPct val="150000"/>
+              </a:lnSpc>
+              <a:buFont typeface="Arial" panose="020B0604020202020204" pitchFamily="34" charset="0"/>
+              <a:buChar char="•"/>
+            </a:pPr>
+            <a:r>
+              <a:rPr lang="en-GB" sz="2000" dirty="0"/>
+              <a:t>Open a FAO notebook and rename it </a:t>
+            </a:r>
+          </a:p>
+          <a:p>
+            <a:pPr marL="285750" indent="-285750">
+              <a:lnSpc>
+                <a:spcPct val="150000"/>
+              </a:lnSpc>
+              <a:buFont typeface="Arial" panose="020B0604020202020204" pitchFamily="34" charset="0"/>
+              <a:buChar char="•"/>
+            </a:pPr>
+            <a:r>
+              <a:rPr lang="en-GB" sz="2000" dirty="0"/>
+              <a:t>Close the notebook</a:t>
+            </a:r>
+          </a:p>
+        </p:txBody>
+      </p:sp>
+    </p:spTree>
+    <p:extLst>
+      <p:ext uri="{BB962C8B-B14F-4D97-AF65-F5344CB8AC3E}">
+        <p14:creationId xmlns:p14="http://schemas.microsoft.com/office/powerpoint/2010/main" val="1489843972"/>
+      </p:ext>
+    </p:extLst>
+  </p:cSld>
+  <p:clrMapOvr>
+    <a:masterClrMapping/>
+  </p:clrMapOvr>
+</p:sld>
+</file>
+
+<file path=ppt/slides/slide19.xml><?xml version="1.0" encoding="utf-8"?>
 <p:sld xmlns:a="http://schemas.openxmlformats.org/drawingml/2006/main" xmlns:r="http://schemas.openxmlformats.org/officeDocument/2006/relationships" xmlns:p="http://schemas.openxmlformats.org/presentationml/2006/main">
   <p:cSld>
     <p:bg>
